--- a/4week/function diagram.pptx
+++ b/4week/function diagram.pptx
@@ -3763,14 +3763,14 @@
       </p:sp>
       <p:sp>
         <p:nvSpPr>
-          <p:cNvPr id="30" name="모서리가 둥근 직사각형 29"/>
+          <p:cNvPr id="23" name="모서리가 둥근 직사각형 22"/>
           <p:cNvSpPr/>
           <p:nvPr/>
         </p:nvSpPr>
         <p:spPr>
           <a:xfrm>
-            <a:off x="391255" y="1921007"/>
-            <a:ext cx="1573823" cy="950654"/>
+            <a:off x="4431317" y="4929712"/>
+            <a:ext cx="3182816" cy="818682"/>
           </a:xfrm>
           <a:prstGeom prst="roundRect">
             <a:avLst/>
@@ -3795,19 +3795,23 @@
           <a:lstStyle/>
           <a:p>
             <a:pPr algn="ctr"/>
+            <a:r>
+              <a:rPr lang="en-US" altLang="ko-KR" dirty="0" smtClean="0"/>
+              <a:t>Bluetooth Connection </a:t>
+            </a:r>
             <a:endParaRPr lang="ko-KR" altLang="en-US" dirty="0"/>
           </a:p>
         </p:txBody>
       </p:sp>
       <p:sp>
         <p:nvSpPr>
-          <p:cNvPr id="23" name="모서리가 둥근 직사각형 22"/>
+          <p:cNvPr id="31" name="모서리가 둥근 직사각형 30"/>
           <p:cNvSpPr/>
           <p:nvPr/>
         </p:nvSpPr>
         <p:spPr>
           <a:xfrm>
-            <a:off x="4431317" y="4929712"/>
+            <a:off x="391255" y="4485275"/>
             <a:ext cx="3182816" cy="818682"/>
           </a:xfrm>
           <a:prstGeom prst="roundRect">
@@ -3835,62 +3839,211 @@
             <a:pPr algn="ctr"/>
             <a:r>
               <a:rPr lang="en-US" altLang="ko-KR" dirty="0" smtClean="0"/>
-              <a:t>Bluetooth Connection</a:t>
-            </a:r>
-            <a:r>
-              <a:rPr lang="en-US" altLang="ko-KR" dirty="0" smtClean="0"/>
-              <a:t> </a:t>
+              <a:t>Bluetooth Connection </a:t>
             </a:r>
             <a:endParaRPr lang="ko-KR" altLang="en-US" dirty="0"/>
           </a:p>
         </p:txBody>
       </p:sp>
-      <p:sp>
-        <p:nvSpPr>
-          <p:cNvPr id="31" name="모서리가 둥근 직사각형 30"/>
-          <p:cNvSpPr/>
+      <p:grpSp>
+        <p:nvGrpSpPr>
+          <p:cNvPr id="2" name="그룹 1"/>
+          <p:cNvGrpSpPr/>
           <p:nvPr/>
-        </p:nvSpPr>
-        <p:spPr>
-          <a:xfrm>
-            <a:off x="391255" y="4485275"/>
-            <a:ext cx="3182816" cy="818682"/>
-          </a:xfrm>
-          <a:prstGeom prst="roundRect">
-            <a:avLst/>
-          </a:prstGeom>
-        </p:spPr>
-        <p:style>
-          <a:lnRef idx="2">
-            <a:schemeClr val="dk1"/>
-          </a:lnRef>
-          <a:fillRef idx="1">
-            <a:schemeClr val="lt1"/>
-          </a:fillRef>
-          <a:effectRef idx="0">
-            <a:schemeClr val="dk1"/>
-          </a:effectRef>
-          <a:fontRef idx="minor">
-            <a:schemeClr val="dk1"/>
-          </a:fontRef>
-        </p:style>
-        <p:txBody>
-          <a:bodyPr rtlCol="0" anchor="ctr"/>
-          <a:lstStyle/>
-          <a:p>
-            <a:pPr algn="ctr"/>
-            <a:r>
-              <a:rPr lang="en-US" altLang="ko-KR" dirty="0" smtClean="0"/>
-              <a:t>Bluetooth Connection</a:t>
-            </a:r>
-            <a:r>
-              <a:rPr lang="en-US" altLang="ko-KR" dirty="0" smtClean="0"/>
-              <a:t> </a:t>
-            </a:r>
-            <a:endParaRPr lang="ko-KR" altLang="en-US" dirty="0"/>
-          </a:p>
-        </p:txBody>
-      </p:sp>
+        </p:nvGrpSpPr>
+        <p:grpSpPr>
+          <a:xfrm>
+            <a:off x="323115" y="1961314"/>
+            <a:ext cx="3292723" cy="2158498"/>
+            <a:chOff x="309058" y="1822764"/>
+            <a:chExt cx="3292723" cy="2158498"/>
+          </a:xfrm>
+        </p:grpSpPr>
+        <p:sp>
+          <p:nvSpPr>
+            <p:cNvPr id="32" name="모서리가 둥근 직사각형 31"/>
+            <p:cNvSpPr/>
+            <p:nvPr/>
+          </p:nvSpPr>
+          <p:spPr>
+            <a:xfrm>
+              <a:off x="309059" y="1822764"/>
+              <a:ext cx="1573823" cy="950654"/>
+            </a:xfrm>
+            <a:prstGeom prst="roundRect">
+              <a:avLst/>
+            </a:prstGeom>
+          </p:spPr>
+          <p:style>
+            <a:lnRef idx="2">
+              <a:schemeClr val="dk1"/>
+            </a:lnRef>
+            <a:fillRef idx="1">
+              <a:schemeClr val="lt1"/>
+            </a:fillRef>
+            <a:effectRef idx="0">
+              <a:schemeClr val="dk1"/>
+            </a:effectRef>
+            <a:fontRef idx="minor">
+              <a:schemeClr val="dk1"/>
+            </a:fontRef>
+          </p:style>
+          <p:txBody>
+            <a:bodyPr rtlCol="0" anchor="ctr"/>
+            <a:lstStyle/>
+            <a:p>
+              <a:pPr algn="ctr"/>
+              <a:r>
+                <a:rPr lang="en-US" altLang="ko-KR" dirty="0" smtClean="0"/>
+                <a:t>Change Data to CSV</a:t>
+              </a:r>
+              <a:endParaRPr lang="ko-KR" altLang="en-US" dirty="0"/>
+            </a:p>
+          </p:txBody>
+        </p:sp>
+        <p:sp>
+          <p:nvSpPr>
+            <p:cNvPr id="33" name="모서리가 둥근 직사각형 32"/>
+            <p:cNvSpPr/>
+            <p:nvPr/>
+          </p:nvSpPr>
+          <p:spPr>
+            <a:xfrm>
+              <a:off x="309058" y="3030608"/>
+              <a:ext cx="1573823" cy="950654"/>
+            </a:xfrm>
+            <a:prstGeom prst="roundRect">
+              <a:avLst/>
+            </a:prstGeom>
+          </p:spPr>
+          <p:style>
+            <a:lnRef idx="2">
+              <a:schemeClr val="dk1"/>
+            </a:lnRef>
+            <a:fillRef idx="1">
+              <a:schemeClr val="lt1"/>
+            </a:fillRef>
+            <a:effectRef idx="0">
+              <a:schemeClr val="dk1"/>
+            </a:effectRef>
+            <a:fontRef idx="minor">
+              <a:schemeClr val="dk1"/>
+            </a:fontRef>
+          </p:style>
+          <p:txBody>
+            <a:bodyPr rtlCol="0" anchor="ctr"/>
+            <a:lstStyle/>
+            <a:p>
+              <a:pPr algn="ctr"/>
+              <a:r>
+                <a:rPr lang="en-US" altLang="ko-KR" dirty="0" smtClean="0"/>
+                <a:t>Send </a:t>
+              </a:r>
+              <a:r>
+                <a:rPr lang="en-US" altLang="ko-KR" dirty="0" err="1" smtClean="0"/>
+                <a:t>Realtime</a:t>
+              </a:r>
+              <a:r>
+                <a:rPr lang="en-US" altLang="ko-KR" dirty="0" smtClean="0"/>
+                <a:t> Data </a:t>
+              </a:r>
+              <a:endParaRPr lang="ko-KR" altLang="en-US" dirty="0"/>
+            </a:p>
+          </p:txBody>
+        </p:sp>
+        <p:sp>
+          <p:nvSpPr>
+            <p:cNvPr id="36" name="모서리가 둥근 직사각형 35"/>
+            <p:cNvSpPr/>
+            <p:nvPr/>
+          </p:nvSpPr>
+          <p:spPr>
+            <a:xfrm>
+              <a:off x="2027958" y="1822764"/>
+              <a:ext cx="1573823" cy="950654"/>
+            </a:xfrm>
+            <a:prstGeom prst="roundRect">
+              <a:avLst/>
+            </a:prstGeom>
+          </p:spPr>
+          <p:style>
+            <a:lnRef idx="2">
+              <a:schemeClr val="dk1"/>
+            </a:lnRef>
+            <a:fillRef idx="1">
+              <a:schemeClr val="lt1"/>
+            </a:fillRef>
+            <a:effectRef idx="0">
+              <a:schemeClr val="dk1"/>
+            </a:effectRef>
+            <a:fontRef idx="minor">
+              <a:schemeClr val="dk1"/>
+            </a:fontRef>
+          </p:style>
+          <p:txBody>
+            <a:bodyPr rtlCol="0" anchor="ctr"/>
+            <a:lstStyle/>
+            <a:p>
+              <a:pPr algn="ctr"/>
+              <a:r>
+                <a:rPr lang="en-US" altLang="ko-KR" dirty="0" smtClean="0"/>
+                <a:t>Get Air Data</a:t>
+              </a:r>
+              <a:endParaRPr lang="ko-KR" altLang="en-US" dirty="0"/>
+            </a:p>
+          </p:txBody>
+        </p:sp>
+        <p:sp>
+          <p:nvSpPr>
+            <p:cNvPr id="37" name="모서리가 둥근 직사각형 36"/>
+            <p:cNvSpPr/>
+            <p:nvPr/>
+          </p:nvSpPr>
+          <p:spPr>
+            <a:xfrm>
+              <a:off x="2027161" y="3030608"/>
+              <a:ext cx="1573823" cy="950654"/>
+            </a:xfrm>
+            <a:prstGeom prst="roundRect">
+              <a:avLst/>
+            </a:prstGeom>
+          </p:spPr>
+          <p:style>
+            <a:lnRef idx="2">
+              <a:schemeClr val="dk1"/>
+            </a:lnRef>
+            <a:fillRef idx="1">
+              <a:schemeClr val="lt1"/>
+            </a:fillRef>
+            <a:effectRef idx="0">
+              <a:schemeClr val="dk1"/>
+            </a:effectRef>
+            <a:fontRef idx="minor">
+              <a:schemeClr val="dk1"/>
+            </a:fontRef>
+          </p:style>
+          <p:txBody>
+            <a:bodyPr rtlCol="0" anchor="ctr"/>
+            <a:lstStyle/>
+            <a:p>
+              <a:pPr algn="ctr"/>
+              <a:r>
+                <a:rPr lang="en-US" altLang="ko-KR" dirty="0"/>
+                <a:t>Send </a:t>
+              </a:r>
+              <a:r>
+                <a:rPr lang="en-US" altLang="ko-KR" dirty="0" smtClean="0"/>
+                <a:t>History </a:t>
+              </a:r>
+              <a:r>
+                <a:rPr lang="en-US" altLang="ko-KR" dirty="0"/>
+                <a:t>Data </a:t>
+              </a:r>
+              <a:endParaRPr lang="ko-KR" altLang="en-US" dirty="0"/>
+            </a:p>
+          </p:txBody>
+        </p:sp>
+      </p:grpSp>
     </p:spTree>
     <p:extLst>
       <p:ext uri="{BB962C8B-B14F-4D97-AF65-F5344CB8AC3E}">

--- a/4week/function diagram.pptx
+++ b/4week/function diagram.pptx
@@ -3376,8 +3376,12 @@
           <a:p>
             <a:pPr algn="ctr"/>
             <a:r>
+              <a:rPr lang="en-US" altLang="ko-KR" smtClean="0"/>
+              <a:t>Location </a:t>
+            </a:r>
+            <a:r>
               <a:rPr lang="en-US" altLang="ko-KR" dirty="0" smtClean="0"/>
-              <a:t>Google map</a:t>
+              <a:t>Air Data</a:t>
             </a:r>
             <a:endParaRPr lang="ko-KR" altLang="en-US" dirty="0"/>
           </a:p>
@@ -3419,7 +3423,11 @@
             <a:pPr algn="ctr"/>
             <a:r>
               <a:rPr lang="en-US" altLang="ko-KR" dirty="0" smtClean="0"/>
-              <a:t>Air Graph</a:t>
+              <a:t>Air </a:t>
+            </a:r>
+            <a:r>
+              <a:rPr lang="en-US" altLang="ko-KR" dirty="0" smtClean="0"/>
+              <a:t>Graphs</a:t>
             </a:r>
             <a:endParaRPr lang="ko-KR" altLang="en-US" dirty="0"/>
           </a:p>
